--- a/presentation.pptx
+++ b/presentation.pptx
@@ -12,6 +12,7 @@
     <p:sldId id="260" r:id="rId6"/>
     <p:sldId id="261" r:id="rId7"/>
     <p:sldId id="262" r:id="rId8"/>
+    <p:sldId id="263" r:id="rId9"/>
   </p:sldIdLst>
   <p:sldSz cx="9144000" cy="6858000" type="screen4x3"/>
   <p:notesSz cx="6858000" cy="9144000"/>
@@ -3322,24 +3323,39 @@
           <a:bodyPr/>
           <a:lstStyle/>
           <a:p>
-            <a:pPr lvl="1"/>
+            <a:pPr lvl="1">
+              <a:buAutoNum type="arabicPeriod"/>
+            </a:pPr>
             <a:r>
               <a:rPr/>
               <a:t>What is structogram</a:t>
             </a:r>
           </a:p>
           <a:p>
-            <a:pPr lvl="1"/>
+            <a:pPr lvl="1">
+              <a:buAutoNum type="arabicPeriod"/>
+            </a:pPr>
             <a:r>
               <a:rPr/>
               <a:t>How we may use it</a:t>
             </a:r>
           </a:p>
           <a:p>
-            <a:pPr lvl="1"/>
+            <a:pPr lvl="1">
+              <a:buAutoNum type="arabicPeriod"/>
+            </a:pPr>
             <a:r>
               <a:rPr/>
               <a:t>How do we can use Rstudio to solve it</a:t>
+            </a:r>
+          </a:p>
+          <a:p>
+            <a:pPr lvl="1">
+              <a:buAutoNum type="arabicPeriod"/>
+            </a:pPr>
+            <a:r>
+              <a:rPr/>
+              <a:t>Reverence</a:t>
             </a:r>
           </a:p>
         </p:txBody>
@@ -3407,6 +3423,31 @@
           </a:p>
         </p:txBody>
       </p:sp>
+      <p:sp>
+        <p:nvSpPr>
+          <p:cNvPr id="3" name="Content Placeholder 2"/>
+          <p:cNvSpPr>
+            <a:spLocks noGrp="1"/>
+          </p:cNvSpPr>
+          <p:nvPr>
+            <p:ph idx="1"/>
+          </p:nvPr>
+        </p:nvSpPr>
+        <p:spPr/>
+        <p:txBody>
+          <a:bodyPr/>
+          <a:lstStyle/>
+          <a:p>
+            <a:pPr lvl="0" marL="0" indent="0">
+              <a:buNone/>
+            </a:pPr>
+            <a:r>
+              <a:rPr/>
+              <a:t>Structorgram is one of type way to represent algorithms. Usually, use sctructogram make more easy to understand what your algorithms do.</a:t>
+            </a:r>
+          </a:p>
+        </p:txBody>
+      </p:sp>
     </p:spTree>
   </p:cSld>
 </p:sld>
@@ -3486,6 +3527,31 @@
           </a:p>
         </p:txBody>
       </p:sp>
+      <p:sp>
+        <p:nvSpPr>
+          <p:cNvPr id="3" name="Content Placeholder 2"/>
+          <p:cNvSpPr>
+            <a:spLocks noGrp="1"/>
+          </p:cNvSpPr>
+          <p:nvPr>
+            <p:ph idx="1"/>
+          </p:nvPr>
+        </p:nvSpPr>
+        <p:spPr/>
+        <p:txBody>
+          <a:bodyPr/>
+          <a:lstStyle/>
+          <a:p>
+            <a:pPr lvl="0" marL="0" indent="0">
+              <a:buNone/>
+            </a:pPr>
+            <a:r>
+              <a:rPr/>
+              <a:t>For example we may use it to solve a lot of problems.</a:t>
+            </a:r>
+          </a:p>
+        </p:txBody>
+      </p:sp>
     </p:spTree>
   </p:cSld>
 </p:sld>
@@ -3619,6 +3685,46 @@
               <a:rPr sz="1800">
                 <a:latin typeface="Courier"/>
               </a:rPr>
+              <a:t>newone_</a:t>
+            </a:r>
+            <a:r>
+              <a:rPr sz="1800">
+                <a:solidFill>
+                  <a:srgbClr val="40A070"/>
+                </a:solidFill>
+                <a:latin typeface="Courier"/>
+              </a:rPr>
+              <a:t>2</a:t>
+            </a:r>
+            <a:r>
+              <a:rPr sz="1800">
+                <a:latin typeface="Courier"/>
+              </a:rPr>
+              <a:t> &lt;-</a:t>
+            </a:r>
+            <a:r>
+              <a:rPr sz="1800">
+                <a:solidFill>
+                  <a:srgbClr val="4070A0"/>
+                </a:solidFill>
+                <a:latin typeface="Courier"/>
+              </a:rPr>
+              <a:t> </a:t>
+            </a:r>
+            <a:r>
+              <a:rPr sz="1800">
+                <a:solidFill>
+                  <a:srgbClr val="007020"/>
+                </a:solidFill>
+                <a:latin typeface="Courier"/>
+              </a:rPr>
+              <a:t>NULL</a:t>
+            </a:r>
+            <a:br/>
+            <a:r>
+              <a:rPr sz="1800">
+                <a:latin typeface="Courier"/>
+              </a:rPr>
               <a:t>a &lt;-</a:t>
             </a:r>
             <a:r>
@@ -3827,31 +3933,294 @@
               <a:rPr sz="1800">
                 <a:latin typeface="Courier"/>
               </a:rPr>
+              <a:t>    newone_</a:t>
+            </a:r>
+            <a:r>
+              <a:rPr sz="1800">
+                <a:solidFill>
+                  <a:srgbClr val="40A070"/>
+                </a:solidFill>
+                <a:latin typeface="Courier"/>
+              </a:rPr>
+              <a:t>2</a:t>
+            </a:r>
+            <a:r>
+              <a:rPr sz="1800">
+                <a:latin typeface="Courier"/>
+              </a:rPr>
+              <a:t> =</a:t>
+            </a:r>
+            <a:r>
+              <a:rPr sz="1800">
+                <a:solidFill>
+                  <a:srgbClr val="4070A0"/>
+                </a:solidFill>
+                <a:latin typeface="Courier"/>
+              </a:rPr>
+              <a:t> </a:t>
+            </a:r>
+            <a:r>
+              <a:rPr sz="1800" b="1">
+                <a:solidFill>
+                  <a:srgbClr val="007020"/>
+                </a:solidFill>
+                <a:latin typeface="Courier"/>
+              </a:rPr>
+              <a:t>append</a:t>
+            </a:r>
+            <a:r>
+              <a:rPr sz="1800">
+                <a:latin typeface="Courier"/>
+              </a:rPr>
+              <a:t>(newone_</a:t>
+            </a:r>
+            <a:r>
+              <a:rPr sz="1800">
+                <a:solidFill>
+                  <a:srgbClr val="40A070"/>
+                </a:solidFill>
+                <a:latin typeface="Courier"/>
+              </a:rPr>
+              <a:t>2</a:t>
+            </a:r>
+            <a:r>
+              <a:rPr sz="1800">
+                <a:latin typeface="Courier"/>
+              </a:rPr>
+              <a:t>, </a:t>
+            </a:r>
+            <a:r>
+              <a:rPr sz="1800">
+                <a:solidFill>
+                  <a:srgbClr val="4070A0"/>
+                </a:solidFill>
+                <a:latin typeface="Courier"/>
+              </a:rPr>
+              <a:t>"X"</a:t>
+            </a:r>
+            <a:r>
+              <a:rPr sz="1800">
+                <a:latin typeface="Courier"/>
+              </a:rPr>
+              <a:t>)</a:t>
+            </a:r>
+            <a:br/>
+            <a:r>
+              <a:rPr sz="1800">
+                <a:latin typeface="Courier"/>
+              </a:rPr>
               <a:t>    </a:t>
             </a:r>
             <a:r>
+              <a:rPr sz="1800" i="1">
+                <a:solidFill>
+                  <a:srgbClr val="60A0B0"/>
+                </a:solidFill>
+                <a:latin typeface="Courier"/>
+              </a:rPr>
+              <a:t>#print ('X')</a:t>
+            </a:r>
+            <a:br/>
+            <a:r>
+              <a:rPr sz="1800">
+                <a:latin typeface="Courier"/>
+              </a:rPr>
+              <a:t>  } </a:t>
+            </a:r>
+            <a:r>
               <a:rPr sz="1800" b="1">
                 <a:solidFill>
                   <a:srgbClr val="007020"/>
                 </a:solidFill>
                 <a:latin typeface="Courier"/>
               </a:rPr>
+              <a:t>else</a:t>
+            </a:r>
+            <a:r>
+              <a:rPr sz="1800">
+                <a:latin typeface="Courier"/>
+              </a:rPr>
+              <a:t> {</a:t>
+            </a:r>
+            <a:br/>
+            <a:r>
+              <a:rPr sz="1800">
+                <a:latin typeface="Courier"/>
+              </a:rPr>
+              <a:t>    newone_</a:t>
+            </a:r>
+            <a:r>
+              <a:rPr sz="1800">
+                <a:solidFill>
+                  <a:srgbClr val="40A070"/>
+                </a:solidFill>
+                <a:latin typeface="Courier"/>
+              </a:rPr>
+              <a:t>2</a:t>
+            </a:r>
+            <a:r>
+              <a:rPr sz="1800">
+                <a:latin typeface="Courier"/>
+              </a:rPr>
+              <a:t> &lt;-</a:t>
+            </a:r>
+            <a:r>
+              <a:rPr sz="1800">
+                <a:solidFill>
+                  <a:srgbClr val="4070A0"/>
+                </a:solidFill>
+                <a:latin typeface="Courier"/>
+              </a:rPr>
+              <a:t> </a:t>
+            </a:r>
+            <a:r>
+              <a:rPr sz="1800" b="1">
+                <a:solidFill>
+                  <a:srgbClr val="007020"/>
+                </a:solidFill>
+                <a:latin typeface="Courier"/>
+              </a:rPr>
+              <a:t>append</a:t>
+            </a:r>
+            <a:r>
+              <a:rPr sz="1800">
+                <a:latin typeface="Courier"/>
+              </a:rPr>
+              <a:t>(newone_</a:t>
+            </a:r>
+            <a:r>
+              <a:rPr sz="1800">
+                <a:solidFill>
+                  <a:srgbClr val="40A070"/>
+                </a:solidFill>
+                <a:latin typeface="Courier"/>
+              </a:rPr>
+              <a:t>2</a:t>
+            </a:r>
+            <a:r>
+              <a:rPr sz="1800">
+                <a:latin typeface="Courier"/>
+              </a:rPr>
+              <a:t>, </a:t>
+            </a:r>
+            <a:r>
+              <a:rPr sz="1800">
+                <a:solidFill>
+                  <a:srgbClr val="4070A0"/>
+                </a:solidFill>
+                <a:latin typeface="Courier"/>
+              </a:rPr>
+              <a:t>"O"</a:t>
+            </a:r>
+            <a:r>
+              <a:rPr sz="1800">
+                <a:latin typeface="Courier"/>
+              </a:rPr>
+              <a:t>)</a:t>
+            </a:r>
+            <a:br/>
+            <a:r>
+              <a:rPr sz="1800">
+                <a:latin typeface="Courier"/>
+              </a:rPr>
+              <a:t>    </a:t>
+            </a:r>
+            <a:r>
+              <a:rPr sz="1800" i="1">
+                <a:solidFill>
+                  <a:srgbClr val="60A0B0"/>
+                </a:solidFill>
+                <a:latin typeface="Courier"/>
+              </a:rPr>
+              <a:t>#print ('O')</a:t>
+            </a:r>
+            <a:br/>
+            <a:r>
+              <a:rPr sz="1800">
+                <a:latin typeface="Courier"/>
+              </a:rPr>
+              <a:t>  }</a:t>
+            </a:r>
+            <a:br/>
+            <a:r>
+              <a:rPr sz="1800">
+                <a:latin typeface="Courier"/>
+              </a:rPr>
+              <a:t>  a &lt;-</a:t>
+            </a:r>
+            <a:r>
+              <a:rPr sz="1800">
+                <a:solidFill>
+                  <a:srgbClr val="4070A0"/>
+                </a:solidFill>
+                <a:latin typeface="Courier"/>
+              </a:rPr>
+              <a:t> </a:t>
+            </a:r>
+            <a:r>
+              <a:rPr sz="1800">
+                <a:latin typeface="Courier"/>
+              </a:rPr>
+              <a:t>a </a:t>
+            </a:r>
+            <a:r>
+              <a:rPr sz="1800">
+                <a:solidFill>
+                  <a:srgbClr val="666666"/>
+                </a:solidFill>
+                <a:latin typeface="Courier"/>
+              </a:rPr>
+              <a:t>+</a:t>
+            </a:r>
+            <a:r>
+              <a:rPr sz="1800">
+                <a:solidFill>
+                  <a:srgbClr val="4070A0"/>
+                </a:solidFill>
+                <a:latin typeface="Courier"/>
+              </a:rPr>
+              <a:t> </a:t>
+            </a:r>
+            <a:r>
+              <a:rPr sz="1800">
+                <a:solidFill>
+                  <a:srgbClr val="40A070"/>
+                </a:solidFill>
+                <a:latin typeface="Courier"/>
+              </a:rPr>
+              <a:t>1</a:t>
+            </a:r>
+            <a:br/>
+            <a:r>
+              <a:rPr sz="1800">
+                <a:latin typeface="Courier"/>
+              </a:rPr>
+              <a:t>}</a:t>
+            </a:r>
+            <a:br/>
+            <a:r>
+              <a:rPr sz="1800" b="1">
+                <a:solidFill>
+                  <a:srgbClr val="007020"/>
+                </a:solidFill>
+                <a:latin typeface="Courier"/>
+              </a:rPr>
               <a:t>print</a:t>
             </a:r>
             <a:r>
               <a:rPr sz="1800">
                 <a:latin typeface="Courier"/>
               </a:rPr>
-              <a:t> (</a:t>
-            </a:r>
-            <a:r>
-              <a:rPr sz="1800">
-                <a:solidFill>
-                  <a:srgbClr val="4070A0"/>
-                </a:solidFill>
-                <a:latin typeface="Courier"/>
-              </a:rPr>
-              <a:t>'X'</a:t>
+              <a:t> (newone_</a:t>
+            </a:r>
+            <a:r>
+              <a:rPr sz="1800">
+                <a:solidFill>
+                  <a:srgbClr val="40A070"/>
+                </a:solidFill>
+                <a:latin typeface="Courier"/>
+              </a:rPr>
+              <a:t>2</a:t>
             </a:r>
             <a:r>
               <a:rPr sz="1800">
@@ -3859,128 +4228,6 @@
               </a:rPr>
               <a:t>)</a:t>
             </a:r>
-            <a:br/>
-            <a:r>
-              <a:rPr sz="1800">
-                <a:latin typeface="Courier"/>
-              </a:rPr>
-              <a:t>  } </a:t>
-            </a:r>
-            <a:r>
-              <a:rPr sz="1800" b="1">
-                <a:solidFill>
-                  <a:srgbClr val="007020"/>
-                </a:solidFill>
-                <a:latin typeface="Courier"/>
-              </a:rPr>
-              <a:t>else</a:t>
-            </a:r>
-            <a:r>
-              <a:rPr sz="1800">
-                <a:latin typeface="Courier"/>
-              </a:rPr>
-              <a:t> {</a:t>
-            </a:r>
-            <a:br/>
-            <a:r>
-              <a:rPr sz="1800">
-                <a:latin typeface="Courier"/>
-              </a:rPr>
-              <a:t>    </a:t>
-            </a:r>
-            <a:r>
-              <a:rPr sz="1800" b="1">
-                <a:solidFill>
-                  <a:srgbClr val="007020"/>
-                </a:solidFill>
-                <a:latin typeface="Courier"/>
-              </a:rPr>
-              <a:t>print</a:t>
-            </a:r>
-            <a:r>
-              <a:rPr sz="1800">
-                <a:latin typeface="Courier"/>
-              </a:rPr>
-              <a:t> (</a:t>
-            </a:r>
-            <a:r>
-              <a:rPr sz="1800">
-                <a:solidFill>
-                  <a:srgbClr val="4070A0"/>
-                </a:solidFill>
-                <a:latin typeface="Courier"/>
-              </a:rPr>
-              <a:t>'O'</a:t>
-            </a:r>
-            <a:r>
-              <a:rPr sz="1800">
-                <a:latin typeface="Courier"/>
-              </a:rPr>
-              <a:t>)</a:t>
-            </a:r>
-            <a:br/>
-            <a:r>
-              <a:rPr sz="1800">
-                <a:latin typeface="Courier"/>
-              </a:rPr>
-              <a:t>  }</a:t>
-            </a:r>
-            <a:br/>
-            <a:r>
-              <a:rPr sz="1800">
-                <a:latin typeface="Courier"/>
-              </a:rPr>
-              <a:t>  a &lt;-</a:t>
-            </a:r>
-            <a:r>
-              <a:rPr sz="1800">
-                <a:solidFill>
-                  <a:srgbClr val="4070A0"/>
-                </a:solidFill>
-                <a:latin typeface="Courier"/>
-              </a:rPr>
-              <a:t> </a:t>
-            </a:r>
-            <a:r>
-              <a:rPr sz="1800">
-                <a:latin typeface="Courier"/>
-              </a:rPr>
-              <a:t>a </a:t>
-            </a:r>
-            <a:r>
-              <a:rPr sz="1800">
-                <a:solidFill>
-                  <a:srgbClr val="666666"/>
-                </a:solidFill>
-                <a:latin typeface="Courier"/>
-              </a:rPr>
-              <a:t>+</a:t>
-            </a:r>
-            <a:r>
-              <a:rPr sz="1800">
-                <a:solidFill>
-                  <a:srgbClr val="4070A0"/>
-                </a:solidFill>
-                <a:latin typeface="Courier"/>
-              </a:rPr>
-              <a:t> </a:t>
-            </a:r>
-            <a:r>
-              <a:rPr sz="1800">
-                <a:solidFill>
-                  <a:srgbClr val="40A070"/>
-                </a:solidFill>
-                <a:latin typeface="Courier"/>
-              </a:rPr>
-              <a:t>1</a:t>
-            </a:r>
-            <a:br/>
-            <a:r>
-              <a:rPr sz="1800">
-                <a:latin typeface="Courier"/>
-              </a:rPr>
-              <a:t>}</a:t>
-            </a:r>
           </a:p>
           <a:p>
             <a:pPr lvl="0" marL="1270000" indent="0">
@@ -3990,16 +4237,7 @@
               <a:rPr sz="1800">
                 <a:latin typeface="Courier"/>
               </a:rPr>
-              <a:t>## [1] "O"
-## [1] "O"
-## [1] "O"
-## [1] "O"
-## [1] "O"
-## [1] "O"
-## [1] "X"
-## [1] "X"
-## [1] "X"
-## [1] "X"</a:t>
+              <a:t>##  [1] "O" "O" "O" "O" "O" "O" "X" "X" "X" "X"</a:t>
             </a:r>
           </a:p>
         </p:txBody>
@@ -4137,6 +4375,46 @@
               <a:rPr sz="1800">
                 <a:latin typeface="Courier"/>
               </a:rPr>
+              <a:t>newone_</a:t>
+            </a:r>
+            <a:r>
+              <a:rPr sz="1800">
+                <a:solidFill>
+                  <a:srgbClr val="40A070"/>
+                </a:solidFill>
+                <a:latin typeface="Courier"/>
+              </a:rPr>
+              <a:t>4</a:t>
+            </a:r>
+            <a:r>
+              <a:rPr sz="1800">
+                <a:latin typeface="Courier"/>
+              </a:rPr>
+              <a:t> &lt;-</a:t>
+            </a:r>
+            <a:r>
+              <a:rPr sz="1800">
+                <a:solidFill>
+                  <a:srgbClr val="4070A0"/>
+                </a:solidFill>
+                <a:latin typeface="Courier"/>
+              </a:rPr>
+              <a:t> </a:t>
+            </a:r>
+            <a:r>
+              <a:rPr sz="1800">
+                <a:solidFill>
+                  <a:srgbClr val="007020"/>
+                </a:solidFill>
+                <a:latin typeface="Courier"/>
+              </a:rPr>
+              <a:t>NULL</a:t>
+            </a:r>
+            <a:br/>
+            <a:r>
+              <a:rPr sz="1800">
+                <a:latin typeface="Courier"/>
+              </a:rPr>
               <a:t>a &lt;-</a:t>
             </a:r>
             <a:r>
@@ -4370,31 +4648,357 @@
               <a:rPr sz="1800">
                 <a:latin typeface="Courier"/>
               </a:rPr>
+              <a:t>      newone_</a:t>
+            </a:r>
+            <a:r>
+              <a:rPr sz="1800">
+                <a:solidFill>
+                  <a:srgbClr val="40A070"/>
+                </a:solidFill>
+                <a:latin typeface="Courier"/>
+              </a:rPr>
+              <a:t>4</a:t>
+            </a:r>
+            <a:r>
+              <a:rPr sz="1800">
+                <a:latin typeface="Courier"/>
+              </a:rPr>
+              <a:t> &lt;-</a:t>
+            </a:r>
+            <a:r>
+              <a:rPr sz="1800">
+                <a:solidFill>
+                  <a:srgbClr val="4070A0"/>
+                </a:solidFill>
+                <a:latin typeface="Courier"/>
+              </a:rPr>
+              <a:t> </a:t>
+            </a:r>
+            <a:r>
+              <a:rPr sz="1800" b="1">
+                <a:solidFill>
+                  <a:srgbClr val="007020"/>
+                </a:solidFill>
+                <a:latin typeface="Courier"/>
+              </a:rPr>
+              <a:t>append</a:t>
+            </a:r>
+            <a:r>
+              <a:rPr sz="1800">
+                <a:latin typeface="Courier"/>
+              </a:rPr>
+              <a:t>(newone_</a:t>
+            </a:r>
+            <a:r>
+              <a:rPr sz="1800">
+                <a:solidFill>
+                  <a:srgbClr val="40A070"/>
+                </a:solidFill>
+                <a:latin typeface="Courier"/>
+              </a:rPr>
+              <a:t>4</a:t>
+            </a:r>
+            <a:r>
+              <a:rPr sz="1800">
+                <a:latin typeface="Courier"/>
+              </a:rPr>
+              <a:t>, </a:t>
+            </a:r>
+            <a:r>
+              <a:rPr sz="1800">
+                <a:solidFill>
+                  <a:srgbClr val="4070A0"/>
+                </a:solidFill>
+                <a:latin typeface="Courier"/>
+              </a:rPr>
+              <a:t>"A"</a:t>
+            </a:r>
+            <a:r>
+              <a:rPr sz="1800">
+                <a:latin typeface="Courier"/>
+              </a:rPr>
+              <a:t>)</a:t>
+            </a:r>
+            <a:br/>
+            <a:r>
+              <a:rPr sz="1800">
+                <a:latin typeface="Courier"/>
+              </a:rPr>
               <a:t>      </a:t>
             </a:r>
             <a:r>
+              <a:rPr sz="1800" i="1">
+                <a:solidFill>
+                  <a:srgbClr val="60A0B0"/>
+                </a:solidFill>
+                <a:latin typeface="Courier"/>
+              </a:rPr>
+              <a:t>#print ("A")</a:t>
+            </a:r>
+            <a:br/>
+            <a:r>
+              <a:rPr sz="1800">
+                <a:latin typeface="Courier"/>
+              </a:rPr>
+              <a:t>    }</a:t>
+            </a:r>
+            <a:br/>
+            <a:r>
+              <a:rPr sz="1800">
+                <a:latin typeface="Courier"/>
+              </a:rPr>
+              <a:t>    </a:t>
+            </a:r>
+            <a:r>
               <a:rPr sz="1800" b="1">
                 <a:solidFill>
                   <a:srgbClr val="007020"/>
                 </a:solidFill>
                 <a:latin typeface="Courier"/>
               </a:rPr>
+              <a:t>else</a:t>
+            </a:r>
+            <a:r>
+              <a:rPr sz="1800">
+                <a:latin typeface="Courier"/>
+              </a:rPr>
+              <a:t> {</a:t>
+            </a:r>
+            <a:br/>
+            <a:r>
+              <a:rPr sz="1800">
+                <a:latin typeface="Courier"/>
+              </a:rPr>
+              <a:t>      newone_</a:t>
+            </a:r>
+            <a:r>
+              <a:rPr sz="1800">
+                <a:solidFill>
+                  <a:srgbClr val="40A070"/>
+                </a:solidFill>
+                <a:latin typeface="Courier"/>
+              </a:rPr>
+              <a:t>4</a:t>
+            </a:r>
+            <a:r>
+              <a:rPr sz="1800">
+                <a:latin typeface="Courier"/>
+              </a:rPr>
+              <a:t> &lt;-</a:t>
+            </a:r>
+            <a:r>
+              <a:rPr sz="1800">
+                <a:solidFill>
+                  <a:srgbClr val="4070A0"/>
+                </a:solidFill>
+                <a:latin typeface="Courier"/>
+              </a:rPr>
+              <a:t> </a:t>
+            </a:r>
+            <a:r>
+              <a:rPr sz="1800" b="1">
+                <a:solidFill>
+                  <a:srgbClr val="007020"/>
+                </a:solidFill>
+                <a:latin typeface="Courier"/>
+              </a:rPr>
+              <a:t>append</a:t>
+            </a:r>
+            <a:r>
+              <a:rPr sz="1800">
+                <a:latin typeface="Courier"/>
+              </a:rPr>
+              <a:t>(newone_</a:t>
+            </a:r>
+            <a:r>
+              <a:rPr sz="1800">
+                <a:solidFill>
+                  <a:srgbClr val="40A070"/>
+                </a:solidFill>
+                <a:latin typeface="Courier"/>
+              </a:rPr>
+              <a:t>4</a:t>
+            </a:r>
+            <a:r>
+              <a:rPr sz="1800">
+                <a:latin typeface="Courier"/>
+              </a:rPr>
+              <a:t>, </a:t>
+            </a:r>
+            <a:r>
+              <a:rPr sz="1800">
+                <a:solidFill>
+                  <a:srgbClr val="4070A0"/>
+                </a:solidFill>
+                <a:latin typeface="Courier"/>
+              </a:rPr>
+              <a:t>"B"</a:t>
+            </a:r>
+            <a:r>
+              <a:rPr sz="1800">
+                <a:latin typeface="Courier"/>
+              </a:rPr>
+              <a:t>)</a:t>
+            </a:r>
+            <a:br/>
+            <a:r>
+              <a:rPr sz="1800">
+                <a:latin typeface="Courier"/>
+              </a:rPr>
+              <a:t>      </a:t>
+            </a:r>
+            <a:r>
+              <a:rPr sz="1800" i="1">
+                <a:solidFill>
+                  <a:srgbClr val="60A0B0"/>
+                </a:solidFill>
+                <a:latin typeface="Courier"/>
+              </a:rPr>
+              <a:t>#print ("B")</a:t>
+            </a:r>
+            <a:br/>
+            <a:r>
+              <a:rPr sz="1800">
+                <a:latin typeface="Courier"/>
+              </a:rPr>
+              <a:t>      }</a:t>
+            </a:r>
+            <a:br/>
+            <a:r>
+              <a:rPr sz="1800">
+                <a:latin typeface="Courier"/>
+              </a:rPr>
+              <a:t>    b &lt;-</a:t>
+            </a:r>
+            <a:r>
+              <a:rPr sz="1800">
+                <a:solidFill>
+                  <a:srgbClr val="4070A0"/>
+                </a:solidFill>
+                <a:latin typeface="Courier"/>
+              </a:rPr>
+              <a:t> </a:t>
+            </a:r>
+            <a:r>
+              <a:rPr sz="1800">
+                <a:latin typeface="Courier"/>
+              </a:rPr>
+              <a:t>b </a:t>
+            </a:r>
+            <a:r>
+              <a:rPr sz="1800">
+                <a:solidFill>
+                  <a:srgbClr val="666666"/>
+                </a:solidFill>
+                <a:latin typeface="Courier"/>
+              </a:rPr>
+              <a:t>-</a:t>
+            </a:r>
+            <a:r>
+              <a:rPr sz="1800">
+                <a:solidFill>
+                  <a:srgbClr val="4070A0"/>
+                </a:solidFill>
+                <a:latin typeface="Courier"/>
+              </a:rPr>
+              <a:t> </a:t>
+            </a:r>
+            <a:r>
+              <a:rPr sz="1800">
+                <a:solidFill>
+                  <a:srgbClr val="40A070"/>
+                </a:solidFill>
+                <a:latin typeface="Courier"/>
+              </a:rPr>
+              <a:t>1</a:t>
+            </a:r>
+            <a:br/>
+            <a:r>
+              <a:rPr sz="1800">
+                <a:latin typeface="Courier"/>
+              </a:rPr>
+              <a:t>  }</a:t>
+            </a:r>
+            <a:br/>
+            <a:r>
+              <a:rPr sz="1800">
+                <a:latin typeface="Courier"/>
+              </a:rPr>
+              <a:t>  a &lt;-</a:t>
+            </a:r>
+            <a:r>
+              <a:rPr sz="1800">
+                <a:solidFill>
+                  <a:srgbClr val="4070A0"/>
+                </a:solidFill>
+                <a:latin typeface="Courier"/>
+              </a:rPr>
+              <a:t> </a:t>
+            </a:r>
+            <a:r>
+              <a:rPr sz="1800">
+                <a:latin typeface="Courier"/>
+              </a:rPr>
+              <a:t>a </a:t>
+            </a:r>
+            <a:r>
+              <a:rPr sz="1800">
+                <a:solidFill>
+                  <a:srgbClr val="666666"/>
+                </a:solidFill>
+                <a:latin typeface="Courier"/>
+              </a:rPr>
+              <a:t>-</a:t>
+            </a:r>
+            <a:r>
+              <a:rPr sz="1800">
+                <a:solidFill>
+                  <a:srgbClr val="4070A0"/>
+                </a:solidFill>
+                <a:latin typeface="Courier"/>
+              </a:rPr>
+              <a:t> </a:t>
+            </a:r>
+            <a:r>
+              <a:rPr sz="1800">
+                <a:solidFill>
+                  <a:srgbClr val="40A070"/>
+                </a:solidFill>
+                <a:latin typeface="Courier"/>
+              </a:rPr>
+              <a:t>1</a:t>
+            </a:r>
+            <a:br/>
+            <a:r>
+              <a:rPr sz="1800">
+                <a:latin typeface="Courier"/>
+              </a:rPr>
+              <a:t>}</a:t>
+            </a:r>
+            <a:br/>
+            <a:r>
+              <a:rPr sz="1800" b="1">
+                <a:solidFill>
+                  <a:srgbClr val="007020"/>
+                </a:solidFill>
+                <a:latin typeface="Courier"/>
+              </a:rPr>
               <a:t>print</a:t>
             </a:r>
             <a:r>
               <a:rPr sz="1800">
                 <a:latin typeface="Courier"/>
               </a:rPr>
-              <a:t> (</a:t>
-            </a:r>
-            <a:r>
-              <a:rPr sz="1800">
-                <a:solidFill>
-                  <a:srgbClr val="4070A0"/>
-                </a:solidFill>
-                <a:latin typeface="Courier"/>
-              </a:rPr>
-              <a:t>"A"</a:t>
+              <a:t> (newone_</a:t>
+            </a:r>
+            <a:r>
+              <a:rPr sz="1800">
+                <a:solidFill>
+                  <a:srgbClr val="40A070"/>
+                </a:solidFill>
+                <a:latin typeface="Courier"/>
+              </a:rPr>
+              <a:t>4</a:t>
             </a:r>
             <a:r>
               <a:rPr sz="1800">
@@ -4402,177 +5006,6 @@
               </a:rPr>
               <a:t>)</a:t>
             </a:r>
-            <a:br/>
-            <a:r>
-              <a:rPr sz="1800">
-                <a:latin typeface="Courier"/>
-              </a:rPr>
-              <a:t>    }</a:t>
-            </a:r>
-            <a:br/>
-            <a:r>
-              <a:rPr sz="1800">
-                <a:latin typeface="Courier"/>
-              </a:rPr>
-              <a:t>    </a:t>
-            </a:r>
-            <a:r>
-              <a:rPr sz="1800" b="1">
-                <a:solidFill>
-                  <a:srgbClr val="007020"/>
-                </a:solidFill>
-                <a:latin typeface="Courier"/>
-              </a:rPr>
-              <a:t>else</a:t>
-            </a:r>
-            <a:r>
-              <a:rPr sz="1800">
-                <a:latin typeface="Courier"/>
-              </a:rPr>
-              <a:t> {</a:t>
-            </a:r>
-            <a:r>
-              <a:rPr sz="1800" b="1">
-                <a:solidFill>
-                  <a:srgbClr val="007020"/>
-                </a:solidFill>
-                <a:latin typeface="Courier"/>
-              </a:rPr>
-              <a:t>print</a:t>
-            </a:r>
-            <a:r>
-              <a:rPr sz="1800">
-                <a:latin typeface="Courier"/>
-              </a:rPr>
-              <a:t> (</a:t>
-            </a:r>
-            <a:r>
-              <a:rPr sz="1800">
-                <a:solidFill>
-                  <a:srgbClr val="4070A0"/>
-                </a:solidFill>
-                <a:latin typeface="Courier"/>
-              </a:rPr>
-              <a:t>"B"</a:t>
-            </a:r>
-            <a:r>
-              <a:rPr sz="1800">
-                <a:latin typeface="Courier"/>
-              </a:rPr>
-              <a:t>)}</a:t>
-            </a:r>
-            <a:br/>
-            <a:r>
-              <a:rPr sz="1800">
-                <a:latin typeface="Courier"/>
-              </a:rPr>
-              <a:t>    b &lt;-</a:t>
-            </a:r>
-            <a:r>
-              <a:rPr sz="1800">
-                <a:solidFill>
-                  <a:srgbClr val="4070A0"/>
-                </a:solidFill>
-                <a:latin typeface="Courier"/>
-              </a:rPr>
-              <a:t> </a:t>
-            </a:r>
-            <a:r>
-              <a:rPr sz="1800">
-                <a:latin typeface="Courier"/>
-              </a:rPr>
-              <a:t>b </a:t>
-            </a:r>
-            <a:r>
-              <a:rPr sz="1800">
-                <a:solidFill>
-                  <a:srgbClr val="666666"/>
-                </a:solidFill>
-                <a:latin typeface="Courier"/>
-              </a:rPr>
-              <a:t>-</a:t>
-            </a:r>
-            <a:r>
-              <a:rPr sz="1800">
-                <a:solidFill>
-                  <a:srgbClr val="4070A0"/>
-                </a:solidFill>
-                <a:latin typeface="Courier"/>
-              </a:rPr>
-              <a:t> </a:t>
-            </a:r>
-            <a:r>
-              <a:rPr sz="1800">
-                <a:solidFill>
-                  <a:srgbClr val="40A070"/>
-                </a:solidFill>
-                <a:latin typeface="Courier"/>
-              </a:rPr>
-              <a:t>1</a:t>
-            </a:r>
-            <a:br/>
-            <a:r>
-              <a:rPr sz="1800">
-                <a:latin typeface="Courier"/>
-              </a:rPr>
-              <a:t>  }</a:t>
-            </a:r>
-            <a:br/>
-            <a:r>
-              <a:rPr sz="1800">
-                <a:latin typeface="Courier"/>
-              </a:rPr>
-              <a:t>  a &lt;-</a:t>
-            </a:r>
-            <a:r>
-              <a:rPr sz="1800">
-                <a:solidFill>
-                  <a:srgbClr val="4070A0"/>
-                </a:solidFill>
-                <a:latin typeface="Courier"/>
-              </a:rPr>
-              <a:t> </a:t>
-            </a:r>
-            <a:r>
-              <a:rPr sz="1800">
-                <a:latin typeface="Courier"/>
-              </a:rPr>
-              <a:t>a </a:t>
-            </a:r>
-            <a:r>
-              <a:rPr sz="1800">
-                <a:solidFill>
-                  <a:srgbClr val="666666"/>
-                </a:solidFill>
-                <a:latin typeface="Courier"/>
-              </a:rPr>
-              <a:t>-</a:t>
-            </a:r>
-            <a:r>
-              <a:rPr sz="1800">
-                <a:solidFill>
-                  <a:srgbClr val="4070A0"/>
-                </a:solidFill>
-                <a:latin typeface="Courier"/>
-              </a:rPr>
-              <a:t> </a:t>
-            </a:r>
-            <a:r>
-              <a:rPr sz="1800">
-                <a:solidFill>
-                  <a:srgbClr val="40A070"/>
-                </a:solidFill>
-                <a:latin typeface="Courier"/>
-              </a:rPr>
-              <a:t>1</a:t>
-            </a:r>
-            <a:br/>
-            <a:r>
-              <a:rPr sz="1800">
-                <a:latin typeface="Courier"/>
-              </a:rPr>
-              <a:t>}</a:t>
-            </a:r>
           </a:p>
           <a:p>
             <a:pPr lvl="0" marL="1270000" indent="0">
@@ -4582,42 +5015,8 @@
               <a:rPr sz="1800">
                 <a:latin typeface="Courier"/>
               </a:rPr>
-              <a:t>## [1] "B"
-## [1] "A"
-## [1] "A"
-## [1] "B"
-## [1] "B"
-## [1] "B"
-## [1] "A"
-## [1] "A"
-## [1] "A"
-## [1] "A"
-## [1] "B"
-## [1] "B"
-## [1] "B"
-## [1] "B"
-## [1] "B"
-## [1] "A"
-## [1] "A"
-## [1] "A"
-## [1] "A"
-## [1] "A"
-## [1] "A"
-## [1] "B"
-## [1] "B"
-## [1] "B"
-## [1] "B"
-## [1] "B"
-## [1] "B"
-## [1] "B"
-## [1] "A"
-## [1] "A"
-## [1] "A"
-## [1] "A"
-## [1] "A"
-## [1] "A"
-## [1] "A"
-## [1] "A"</a:t>
+              <a:t>##  [1] "B" "A" "A" "B" "B" "B" "A" "A" "A" "A" "B" "B" "B" "B" "B" "A" "A" "A" "A"
+## [20] "A" "A" "B" "B" "B" "B" "B" "B" "B" "A" "A" "A" "A" "A" "A" "A" "A"</a:t>
             </a:r>
           </a:p>
         </p:txBody>
@@ -4755,6 +5154,46 @@
               <a:rPr sz="1800">
                 <a:latin typeface="Courier"/>
               </a:rPr>
+              <a:t>newone_</a:t>
+            </a:r>
+            <a:r>
+              <a:rPr sz="1800">
+                <a:solidFill>
+                  <a:srgbClr val="40A070"/>
+                </a:solidFill>
+                <a:latin typeface="Courier"/>
+              </a:rPr>
+              <a:t>5</a:t>
+            </a:r>
+            <a:r>
+              <a:rPr sz="1800">
+                <a:latin typeface="Courier"/>
+              </a:rPr>
+              <a:t> &lt;-</a:t>
+            </a:r>
+            <a:r>
+              <a:rPr sz="1800">
+                <a:solidFill>
+                  <a:srgbClr val="4070A0"/>
+                </a:solidFill>
+                <a:latin typeface="Courier"/>
+              </a:rPr>
+              <a:t> </a:t>
+            </a:r>
+            <a:r>
+              <a:rPr sz="1800">
+                <a:solidFill>
+                  <a:srgbClr val="007020"/>
+                </a:solidFill>
+                <a:latin typeface="Courier"/>
+              </a:rPr>
+              <a:t>NULL</a:t>
+            </a:r>
+            <a:br/>
+            <a:r>
+              <a:rPr sz="1800">
+                <a:latin typeface="Courier"/>
+              </a:rPr>
               <a:t>a &lt;-</a:t>
             </a:r>
             <a:r>
@@ -5166,9 +5605,248 @@
               <a:rPr sz="1800">
                 <a:latin typeface="Courier"/>
               </a:rPr>
+              <a:t>      newone_</a:t>
+            </a:r>
+            <a:r>
+              <a:rPr sz="1800">
+                <a:solidFill>
+                  <a:srgbClr val="40A070"/>
+                </a:solidFill>
+                <a:latin typeface="Courier"/>
+              </a:rPr>
+              <a:t>5</a:t>
+            </a:r>
+            <a:r>
+              <a:rPr sz="1800">
+                <a:latin typeface="Courier"/>
+              </a:rPr>
+              <a:t> &lt;-</a:t>
+            </a:r>
+            <a:r>
+              <a:rPr sz="1800">
+                <a:solidFill>
+                  <a:srgbClr val="4070A0"/>
+                </a:solidFill>
+                <a:latin typeface="Courier"/>
+              </a:rPr>
+              <a:t> </a:t>
+            </a:r>
+            <a:r>
+              <a:rPr sz="1800" b="1">
+                <a:solidFill>
+                  <a:srgbClr val="007020"/>
+                </a:solidFill>
+                <a:latin typeface="Courier"/>
+              </a:rPr>
+              <a:t>append</a:t>
+            </a:r>
+            <a:r>
+              <a:rPr sz="1800">
+                <a:latin typeface="Courier"/>
+              </a:rPr>
+              <a:t>(newone_</a:t>
+            </a:r>
+            <a:r>
+              <a:rPr sz="1800">
+                <a:solidFill>
+                  <a:srgbClr val="40A070"/>
+                </a:solidFill>
+                <a:latin typeface="Courier"/>
+              </a:rPr>
+              <a:t>5</a:t>
+            </a:r>
+            <a:r>
+              <a:rPr sz="1800">
+                <a:latin typeface="Courier"/>
+              </a:rPr>
+              <a:t>, c)</a:t>
+            </a:r>
+            <a:br/>
+            <a:r>
+              <a:rPr sz="1800">
+                <a:latin typeface="Courier"/>
+              </a:rPr>
               <a:t>      </a:t>
             </a:r>
             <a:r>
+              <a:rPr sz="1800" i="1">
+                <a:solidFill>
+                  <a:srgbClr val="60A0B0"/>
+                </a:solidFill>
+                <a:latin typeface="Courier"/>
+              </a:rPr>
+              <a:t>#print (c)</a:t>
+            </a:r>
+            <a:br/>
+            <a:r>
+              <a:rPr sz="1800">
+                <a:latin typeface="Courier"/>
+              </a:rPr>
+              <a:t>      c =</a:t>
+            </a:r>
+            <a:r>
+              <a:rPr sz="1800">
+                <a:solidFill>
+                  <a:srgbClr val="4070A0"/>
+                </a:solidFill>
+                <a:latin typeface="Courier"/>
+              </a:rPr>
+              <a:t> </a:t>
+            </a:r>
+            <a:r>
+              <a:rPr sz="1800">
+                <a:latin typeface="Courier"/>
+              </a:rPr>
+              <a:t>c </a:t>
+            </a:r>
+            <a:r>
+              <a:rPr sz="1800">
+                <a:solidFill>
+                  <a:srgbClr val="666666"/>
+                </a:solidFill>
+                <a:latin typeface="Courier"/>
+              </a:rPr>
+              <a:t>+</a:t>
+            </a:r>
+            <a:r>
+              <a:rPr sz="1800">
+                <a:solidFill>
+                  <a:srgbClr val="4070A0"/>
+                </a:solidFill>
+                <a:latin typeface="Courier"/>
+              </a:rPr>
+              <a:t> </a:t>
+            </a:r>
+            <a:r>
+              <a:rPr sz="1800">
+                <a:solidFill>
+                  <a:srgbClr val="40A070"/>
+                </a:solidFill>
+                <a:latin typeface="Courier"/>
+              </a:rPr>
+              <a:t>1</a:t>
+            </a:r>
+            <a:br/>
+            <a:r>
+              <a:rPr sz="1800">
+                <a:latin typeface="Courier"/>
+              </a:rPr>
+              <a:t>    }</a:t>
+            </a:r>
+            <a:br/>
+            <a:r>
+              <a:rPr sz="1800">
+                <a:latin typeface="Courier"/>
+              </a:rPr>
+              <a:t>    b =</a:t>
+            </a:r>
+            <a:r>
+              <a:rPr sz="1800">
+                <a:solidFill>
+                  <a:srgbClr val="4070A0"/>
+                </a:solidFill>
+                <a:latin typeface="Courier"/>
+              </a:rPr>
+              <a:t> </a:t>
+            </a:r>
+            <a:r>
+              <a:rPr sz="1800">
+                <a:latin typeface="Courier"/>
+              </a:rPr>
+              <a:t>b </a:t>
+            </a:r>
+            <a:r>
+              <a:rPr sz="1800">
+                <a:solidFill>
+                  <a:srgbClr val="666666"/>
+                </a:solidFill>
+                <a:latin typeface="Courier"/>
+              </a:rPr>
+              <a:t>-</a:t>
+            </a:r>
+            <a:r>
+              <a:rPr sz="1800">
+                <a:solidFill>
+                  <a:srgbClr val="4070A0"/>
+                </a:solidFill>
+                <a:latin typeface="Courier"/>
+              </a:rPr>
+              <a:t> </a:t>
+            </a:r>
+            <a:r>
+              <a:rPr sz="1800">
+                <a:solidFill>
+                  <a:srgbClr val="40A070"/>
+                </a:solidFill>
+                <a:latin typeface="Courier"/>
+              </a:rPr>
+              <a:t>1</a:t>
+            </a:r>
+            <a:br/>
+            <a:r>
+              <a:rPr sz="1800">
+                <a:latin typeface="Courier"/>
+              </a:rPr>
+              <a:t>  }</a:t>
+            </a:r>
+            <a:br/>
+            <a:r>
+              <a:rPr sz="1800">
+                <a:latin typeface="Courier"/>
+              </a:rPr>
+              <a:t>  a =</a:t>
+            </a:r>
+            <a:r>
+              <a:rPr sz="1800">
+                <a:solidFill>
+                  <a:srgbClr val="4070A0"/>
+                </a:solidFill>
+                <a:latin typeface="Courier"/>
+              </a:rPr>
+              <a:t> </a:t>
+            </a:r>
+            <a:r>
+              <a:rPr sz="1800">
+                <a:latin typeface="Courier"/>
+              </a:rPr>
+              <a:t>a </a:t>
+            </a:r>
+            <a:r>
+              <a:rPr sz="1800">
+                <a:solidFill>
+                  <a:srgbClr val="666666"/>
+                </a:solidFill>
+                <a:latin typeface="Courier"/>
+              </a:rPr>
+              <a:t>+</a:t>
+            </a:r>
+            <a:r>
+              <a:rPr sz="1800">
+                <a:solidFill>
+                  <a:srgbClr val="4070A0"/>
+                </a:solidFill>
+                <a:latin typeface="Courier"/>
+              </a:rPr>
+              <a:t> </a:t>
+            </a:r>
+            <a:r>
+              <a:rPr sz="1800">
+                <a:solidFill>
+                  <a:srgbClr val="40A070"/>
+                </a:solidFill>
+                <a:latin typeface="Courier"/>
+              </a:rPr>
+              <a:t>1</a:t>
+            </a:r>
+            <a:br/>
+            <a:r>
+              <a:rPr sz="1800">
+                <a:latin typeface="Courier"/>
+              </a:rPr>
+              <a:t>}</a:t>
+            </a:r>
+            <a:br/>
+            <a:r>
               <a:rPr sz="1800" b="1">
                 <a:solidFill>
                   <a:srgbClr val="007020"/>
@@ -5181,47 +5859,7 @@
               <a:rPr sz="1800">
                 <a:latin typeface="Courier"/>
               </a:rPr>
-              <a:t> (c)</a:t>
-            </a:r>
-            <a:br/>
-            <a:r>
-              <a:rPr sz="1800">
-                <a:latin typeface="Courier"/>
-              </a:rPr>
-              <a:t>      c =</a:t>
-            </a:r>
-            <a:r>
-              <a:rPr sz="1800">
-                <a:solidFill>
-                  <a:srgbClr val="4070A0"/>
-                </a:solidFill>
-                <a:latin typeface="Courier"/>
-              </a:rPr>
-              <a:t> </a:t>
-            </a:r>
-            <a:r>
-              <a:rPr sz="1800">
-                <a:latin typeface="Courier"/>
-              </a:rPr>
-              <a:t>c </a:t>
-            </a:r>
-            <a:r>
-              <a:rPr sz="1800">
-                <a:solidFill>
-                  <a:srgbClr val="666666"/>
-                </a:solidFill>
-                <a:latin typeface="Courier"/>
-              </a:rPr>
-              <a:t>+</a:t>
-            </a:r>
-            <a:r>
-              <a:rPr sz="1800">
-                <a:solidFill>
-                  <a:srgbClr val="4070A0"/>
-                </a:solidFill>
-                <a:latin typeface="Courier"/>
-              </a:rPr>
-              <a:t> </a:t>
+              <a:t> (newone_</a:t>
             </a:r>
             <a:r>
               <a:rPr sz="1800">
@@ -5230,126 +5868,13 @@
                 </a:solidFill>
                 <a:latin typeface="Courier"/>
               </a:rPr>
-              <a:t>1</a:t>
-            </a:r>
-            <a:br/>
-            <a:r>
-              <a:rPr sz="1800">
-                <a:latin typeface="Courier"/>
-              </a:rPr>
-              <a:t>    }</a:t>
-            </a:r>
-            <a:br/>
-            <a:r>
-              <a:rPr sz="1800">
-                <a:latin typeface="Courier"/>
-              </a:rPr>
-              <a:t>    b =</a:t>
-            </a:r>
-            <a:r>
-              <a:rPr sz="1800">
-                <a:solidFill>
-                  <a:srgbClr val="4070A0"/>
-                </a:solidFill>
-                <a:latin typeface="Courier"/>
-              </a:rPr>
-              <a:t> </a:t>
-            </a:r>
-            <a:r>
-              <a:rPr sz="1800">
-                <a:latin typeface="Courier"/>
-              </a:rPr>
-              <a:t>b </a:t>
-            </a:r>
-            <a:r>
-              <a:rPr sz="1800">
-                <a:solidFill>
-                  <a:srgbClr val="666666"/>
-                </a:solidFill>
-                <a:latin typeface="Courier"/>
-              </a:rPr>
-              <a:t>-</a:t>
-            </a:r>
-            <a:r>
-              <a:rPr sz="1800">
-                <a:solidFill>
-                  <a:srgbClr val="4070A0"/>
-                </a:solidFill>
-                <a:latin typeface="Courier"/>
-              </a:rPr>
-              <a:t> </a:t>
-            </a:r>
-            <a:r>
-              <a:rPr sz="1800">
-                <a:solidFill>
-                  <a:srgbClr val="40A070"/>
-                </a:solidFill>
-                <a:latin typeface="Courier"/>
-              </a:rPr>
-              <a:t>1</a:t>
-            </a:r>
-            <a:br/>
-            <a:r>
-              <a:rPr sz="1800">
-                <a:latin typeface="Courier"/>
-              </a:rPr>
-              <a:t>  }</a:t>
-            </a:r>
-            <a:br/>
-            <a:r>
-              <a:rPr sz="1800">
-                <a:latin typeface="Courier"/>
-              </a:rPr>
-              <a:t>  a =</a:t>
-            </a:r>
-            <a:r>
-              <a:rPr sz="1800">
-                <a:solidFill>
-                  <a:srgbClr val="4070A0"/>
-                </a:solidFill>
-                <a:latin typeface="Courier"/>
-              </a:rPr>
-              <a:t> </a:t>
-            </a:r>
-            <a:r>
-              <a:rPr sz="1800">
-                <a:latin typeface="Courier"/>
-              </a:rPr>
-              <a:t>a </a:t>
-            </a:r>
-            <a:r>
-              <a:rPr sz="1800">
-                <a:solidFill>
-                  <a:srgbClr val="666666"/>
-                </a:solidFill>
-                <a:latin typeface="Courier"/>
-              </a:rPr>
-              <a:t>+</a:t>
-            </a:r>
-            <a:r>
-              <a:rPr sz="1800">
-                <a:solidFill>
-                  <a:srgbClr val="4070A0"/>
-                </a:solidFill>
-                <a:latin typeface="Courier"/>
-              </a:rPr>
-              <a:t> </a:t>
-            </a:r>
-            <a:r>
-              <a:rPr sz="1800">
-                <a:solidFill>
-                  <a:srgbClr val="40A070"/>
-                </a:solidFill>
-                <a:latin typeface="Courier"/>
-              </a:rPr>
-              <a:t>1</a:t>
-            </a:r>
-            <a:br/>
-            <a:r>
-              <a:rPr sz="1800">
-                <a:latin typeface="Courier"/>
-              </a:rPr>
-              <a:t>}</a:t>
+              <a:t>5</a:t>
+            </a:r>
+            <a:r>
+              <a:rPr sz="1800">
+                <a:latin typeface="Courier"/>
+              </a:rPr>
+              <a:t>)</a:t>
             </a:r>
           </a:p>
           <a:p>
@@ -5360,10 +5885,89 @@
               <a:rPr sz="1800">
                 <a:latin typeface="Courier"/>
               </a:rPr>
-              <a:t>## [1] 0
-## [1] 1
-## [1] 1
-## [1] 2</a:t>
+              <a:t>## [1] 0 1 1 2</a:t>
+            </a:r>
+          </a:p>
+        </p:txBody>
+      </p:sp>
+    </p:spTree>
+  </p:cSld>
+</p:sld>
+</file>
+
+<file path=ppt/slides/slide8.xml><?xml version="1.0" encoding="utf-8"?>
+<p:sld xmlns:a="http://schemas.openxmlformats.org/drawingml/2006/main" xmlns:r="http://schemas.openxmlformats.org/officeDocument/2006/relationships" xmlns:p="http://schemas.openxmlformats.org/presentationml/2006/main">
+  <p:cSld>
+    <p:spTree>
+      <p:nvGrpSpPr>
+        <p:cNvPr id="1" name=""/>
+        <p:cNvGrpSpPr/>
+        <p:nvPr/>
+      </p:nvGrpSpPr>
+      <p:grpSpPr>
+        <a:xfrm>
+          <a:off x="0" y="0"/>
+          <a:ext cx="0" cy="0"/>
+          <a:chOff x="0" y="0"/>
+          <a:chExt cx="0" cy="0"/>
+        </a:xfrm>
+      </p:grpSpPr>
+      <p:sp>
+        <p:nvSpPr>
+          <p:cNvPr id="2" name="Title 1"/>
+          <p:cNvSpPr>
+            <a:spLocks noGrp="1"/>
+          </p:cNvSpPr>
+          <p:nvPr>
+            <p:ph type="title"/>
+          </p:nvPr>
+        </p:nvSpPr>
+        <p:spPr/>
+        <p:txBody>
+          <a:bodyPr/>
+          <a:lstStyle/>
+          <a:p>
+            <a:pPr lvl="0" marL="0" indent="0">
+              <a:buNone/>
+            </a:pPr>
+            <a:r>
+              <a:rPr/>
+              <a:t>Reverence</a:t>
+            </a:r>
+          </a:p>
+        </p:txBody>
+      </p:sp>
+      <p:sp>
+        <p:nvSpPr>
+          <p:cNvPr id="3" name="Content Placeholder 2"/>
+          <p:cNvSpPr>
+            <a:spLocks noGrp="1"/>
+          </p:cNvSpPr>
+          <p:nvPr>
+            <p:ph idx="1"/>
+          </p:nvPr>
+        </p:nvSpPr>
+        <p:spPr/>
+        <p:txBody>
+          <a:bodyPr/>
+          <a:lstStyle/>
+          <a:p>
+            <a:pPr lvl="0" marL="0" indent="0">
+              <a:buNone/>
+            </a:pPr>
+            <a:r>
+              <a:rPr/>
+              <a:t>Of course you can find </a:t>
+            </a:r>
+            <a:r>
+              <a:rPr>
+                <a:hlinkClick r:id="rId2"/>
+              </a:rPr>
+              <a:t>my github repository</a:t>
+            </a:r>
+            <a:r>
+              <a:rPr/>
+              <a:t> with all files.</a:t>
             </a:r>
           </a:p>
         </p:txBody>
